--- a/doc/presentation.pptx
+++ b/doc/presentation.pptx
@@ -5,7 +5,7 @@
     <p:sldMasterId id="2147483660" r:id="rId1"/>
   </p:sldMasterIdLst>
   <p:notesMasterIdLst>
-    <p:notesMasterId r:id="rId18"/>
+    <p:notesMasterId r:id="rId19"/>
   </p:notesMasterIdLst>
   <p:sldIdLst>
     <p:sldId id="256" r:id="rId2"/>
@@ -23,7 +23,8 @@
     <p:sldId id="278" r:id="rId14"/>
     <p:sldId id="261" r:id="rId15"/>
     <p:sldId id="288" r:id="rId16"/>
-    <p:sldId id="277" r:id="rId17"/>
+    <p:sldId id="289" r:id="rId17"/>
+    <p:sldId id="277" r:id="rId18"/>
   </p:sldIdLst>
   <p:sldSz cx="9144000" cy="6858000" type="screen4x3"/>
   <p:notesSz cx="6858000" cy="9144000"/>
@@ -142,6 +143,7 @@
             <p14:sldId id="278"/>
             <p14:sldId id="261"/>
             <p14:sldId id="288"/>
+            <p14:sldId id="289"/>
             <p14:sldId id="277"/>
           </p14:sldIdLst>
         </p14:section>
@@ -13011,6 +13013,1042 @@
           <a:chExt cx="0" cy="0"/>
         </a:xfrm>
       </p:grpSpPr>
+      <p:sp>
+        <p:nvSpPr>
+          <p:cNvPr id="29" name="矩形 141"/>
+          <p:cNvSpPr>
+            <a:spLocks noChangeArrowheads="1"/>
+          </p:cNvSpPr>
+          <p:nvPr/>
+        </p:nvSpPr>
+        <p:spPr bwMode="auto">
+          <a:xfrm>
+            <a:off x="-1" y="802045"/>
+            <a:ext cx="240507" cy="542270"/>
+          </a:xfrm>
+          <a:prstGeom prst="rect">
+            <a:avLst/>
+          </a:prstGeom>
+          <a:solidFill>
+            <a:srgbClr val="595959"/>
+          </a:solidFill>
+          <a:ln>
+            <a:noFill/>
+          </a:ln>
+          <a:extLst>
+            <a:ext uri="{91240B29-F687-4F45-9708-019B960494DF}">
+              <a14:hiddenLine xmlns:a14="http://schemas.microsoft.com/office/drawing/2010/main" w="12700">
+                <a:solidFill>
+                  <a:srgbClr val="42719B"/>
+                </a:solidFill>
+                <a:bevel/>
+                <a:headEnd/>
+                <a:tailEnd/>
+              </a14:hiddenLine>
+            </a:ext>
+          </a:extLst>
+        </p:spPr>
+        <p:txBody>
+          <a:bodyPr anchor="ctr"/>
+          <a:lstStyle>
+            <a:lvl1pPr>
+              <a:lnSpc>
+                <a:spcPct val="90000"/>
+              </a:lnSpc>
+              <a:spcBef>
+                <a:spcPts val="1000"/>
+              </a:spcBef>
+              <a:buFont typeface="Arial" panose="020B0604020202020204" pitchFamily="34" charset="0"/>
+              <a:buChar char="•"/>
+              <a:defRPr sz="2800">
+                <a:solidFill>
+                  <a:schemeClr val="tx1"/>
+                </a:solidFill>
+                <a:latin typeface="Calibri" panose="020F0502020204030204" pitchFamily="34" charset="0"/>
+                <a:ea typeface="宋体" panose="02010600030101010101" pitchFamily="2" charset="-122"/>
+                <a:sym typeface="Calibri" panose="020F0502020204030204" pitchFamily="34" charset="0"/>
+              </a:defRPr>
+            </a:lvl1pPr>
+            <a:lvl2pPr marL="742950" indent="-285750">
+              <a:lnSpc>
+                <a:spcPct val="90000"/>
+              </a:lnSpc>
+              <a:spcBef>
+                <a:spcPts val="500"/>
+              </a:spcBef>
+              <a:buFont typeface="Arial" panose="020B0604020202020204" pitchFamily="34" charset="0"/>
+              <a:buChar char="•"/>
+              <a:defRPr sz="2400">
+                <a:solidFill>
+                  <a:schemeClr val="tx1"/>
+                </a:solidFill>
+                <a:latin typeface="Calibri" panose="020F0502020204030204" pitchFamily="34" charset="0"/>
+                <a:ea typeface="宋体" panose="02010600030101010101" pitchFamily="2" charset="-122"/>
+                <a:sym typeface="Calibri" panose="020F0502020204030204" pitchFamily="34" charset="0"/>
+              </a:defRPr>
+            </a:lvl2pPr>
+            <a:lvl3pPr marL="1143000" indent="-228600">
+              <a:lnSpc>
+                <a:spcPct val="90000"/>
+              </a:lnSpc>
+              <a:spcBef>
+                <a:spcPts val="500"/>
+              </a:spcBef>
+              <a:buFont typeface="Arial" panose="020B0604020202020204" pitchFamily="34" charset="0"/>
+              <a:buChar char="•"/>
+              <a:defRPr sz="2000">
+                <a:solidFill>
+                  <a:schemeClr val="tx1"/>
+                </a:solidFill>
+                <a:latin typeface="Calibri" panose="020F0502020204030204" pitchFamily="34" charset="0"/>
+                <a:ea typeface="宋体" panose="02010600030101010101" pitchFamily="2" charset="-122"/>
+                <a:sym typeface="Calibri" panose="020F0502020204030204" pitchFamily="34" charset="0"/>
+              </a:defRPr>
+            </a:lvl3pPr>
+            <a:lvl4pPr marL="1600200" indent="-228600">
+              <a:lnSpc>
+                <a:spcPct val="90000"/>
+              </a:lnSpc>
+              <a:spcBef>
+                <a:spcPts val="500"/>
+              </a:spcBef>
+              <a:buFont typeface="Arial" panose="020B0604020202020204" pitchFamily="34" charset="0"/>
+              <a:buChar char="•"/>
+              <a:defRPr>
+                <a:solidFill>
+                  <a:schemeClr val="tx1"/>
+                </a:solidFill>
+                <a:latin typeface="Calibri" panose="020F0502020204030204" pitchFamily="34" charset="0"/>
+                <a:ea typeface="宋体" panose="02010600030101010101" pitchFamily="2" charset="-122"/>
+                <a:sym typeface="Calibri" panose="020F0502020204030204" pitchFamily="34" charset="0"/>
+              </a:defRPr>
+            </a:lvl4pPr>
+            <a:lvl5pPr marL="2057400" indent="-228600">
+              <a:lnSpc>
+                <a:spcPct val="90000"/>
+              </a:lnSpc>
+              <a:spcBef>
+                <a:spcPts val="500"/>
+              </a:spcBef>
+              <a:buFont typeface="Arial" panose="020B0604020202020204" pitchFamily="34" charset="0"/>
+              <a:buChar char="•"/>
+              <a:defRPr>
+                <a:solidFill>
+                  <a:schemeClr val="tx1"/>
+                </a:solidFill>
+                <a:latin typeface="Calibri" panose="020F0502020204030204" pitchFamily="34" charset="0"/>
+                <a:ea typeface="宋体" panose="02010600030101010101" pitchFamily="2" charset="-122"/>
+                <a:sym typeface="Calibri" panose="020F0502020204030204" pitchFamily="34" charset="0"/>
+              </a:defRPr>
+            </a:lvl5pPr>
+            <a:lvl6pPr marL="2514600" indent="-228600" eaLnBrk="0" fontAlgn="base" hangingPunct="0">
+              <a:lnSpc>
+                <a:spcPct val="90000"/>
+              </a:lnSpc>
+              <a:spcBef>
+                <a:spcPts val="500"/>
+              </a:spcBef>
+              <a:spcAft>
+                <a:spcPct val="0"/>
+              </a:spcAft>
+              <a:buFont typeface="Arial" panose="020B0604020202020204" pitchFamily="34" charset="0"/>
+              <a:buChar char="•"/>
+              <a:defRPr>
+                <a:solidFill>
+                  <a:schemeClr val="tx1"/>
+                </a:solidFill>
+                <a:latin typeface="Calibri" panose="020F0502020204030204" pitchFamily="34" charset="0"/>
+                <a:ea typeface="宋体" panose="02010600030101010101" pitchFamily="2" charset="-122"/>
+                <a:sym typeface="Calibri" panose="020F0502020204030204" pitchFamily="34" charset="0"/>
+              </a:defRPr>
+            </a:lvl6pPr>
+            <a:lvl7pPr marL="2971800" indent="-228600" eaLnBrk="0" fontAlgn="base" hangingPunct="0">
+              <a:lnSpc>
+                <a:spcPct val="90000"/>
+              </a:lnSpc>
+              <a:spcBef>
+                <a:spcPts val="500"/>
+              </a:spcBef>
+              <a:spcAft>
+                <a:spcPct val="0"/>
+              </a:spcAft>
+              <a:buFont typeface="Arial" panose="020B0604020202020204" pitchFamily="34" charset="0"/>
+              <a:buChar char="•"/>
+              <a:defRPr>
+                <a:solidFill>
+                  <a:schemeClr val="tx1"/>
+                </a:solidFill>
+                <a:latin typeface="Calibri" panose="020F0502020204030204" pitchFamily="34" charset="0"/>
+                <a:ea typeface="宋体" panose="02010600030101010101" pitchFamily="2" charset="-122"/>
+                <a:sym typeface="Calibri" panose="020F0502020204030204" pitchFamily="34" charset="0"/>
+              </a:defRPr>
+            </a:lvl7pPr>
+            <a:lvl8pPr marL="3429000" indent="-228600" eaLnBrk="0" fontAlgn="base" hangingPunct="0">
+              <a:lnSpc>
+                <a:spcPct val="90000"/>
+              </a:lnSpc>
+              <a:spcBef>
+                <a:spcPts val="500"/>
+              </a:spcBef>
+              <a:spcAft>
+                <a:spcPct val="0"/>
+              </a:spcAft>
+              <a:buFont typeface="Arial" panose="020B0604020202020204" pitchFamily="34" charset="0"/>
+              <a:buChar char="•"/>
+              <a:defRPr>
+                <a:solidFill>
+                  <a:schemeClr val="tx1"/>
+                </a:solidFill>
+                <a:latin typeface="Calibri" panose="020F0502020204030204" pitchFamily="34" charset="0"/>
+                <a:ea typeface="宋体" panose="02010600030101010101" pitchFamily="2" charset="-122"/>
+                <a:sym typeface="Calibri" panose="020F0502020204030204" pitchFamily="34" charset="0"/>
+              </a:defRPr>
+            </a:lvl8pPr>
+            <a:lvl9pPr marL="3886200" indent="-228600" eaLnBrk="0" fontAlgn="base" hangingPunct="0">
+              <a:lnSpc>
+                <a:spcPct val="90000"/>
+              </a:lnSpc>
+              <a:spcBef>
+                <a:spcPts val="500"/>
+              </a:spcBef>
+              <a:spcAft>
+                <a:spcPct val="0"/>
+              </a:spcAft>
+              <a:buFont typeface="Arial" panose="020B0604020202020204" pitchFamily="34" charset="0"/>
+              <a:buChar char="•"/>
+              <a:defRPr>
+                <a:solidFill>
+                  <a:schemeClr val="tx1"/>
+                </a:solidFill>
+                <a:latin typeface="Calibri" panose="020F0502020204030204" pitchFamily="34" charset="0"/>
+                <a:ea typeface="宋体" panose="02010600030101010101" pitchFamily="2" charset="-122"/>
+                <a:sym typeface="Calibri" panose="020F0502020204030204" pitchFamily="34" charset="0"/>
+              </a:defRPr>
+            </a:lvl9pPr>
+          </a:lstStyle>
+          <a:p>
+            <a:pPr algn="ctr" eaLnBrk="1" hangingPunct="1">
+              <a:lnSpc>
+                <a:spcPct val="100000"/>
+              </a:lnSpc>
+              <a:spcBef>
+                <a:spcPct val="0"/>
+              </a:spcBef>
+              <a:buFont typeface="Arial" panose="020B0604020202020204" pitchFamily="34" charset="0"/>
+              <a:buNone/>
+            </a:pPr>
+            <a:endParaRPr lang="zh-CN" altLang="zh-CN" sz="1350">
+              <a:solidFill>
+                <a:srgbClr val="FFFFFF"/>
+              </a:solidFill>
+              <a:latin typeface="宋体" panose="02010600030101010101" pitchFamily="2" charset="-122"/>
+              <a:sym typeface="宋体" panose="02010600030101010101" pitchFamily="2" charset="-122"/>
+            </a:endParaRPr>
+          </a:p>
+        </p:txBody>
+      </p:sp>
+      <p:sp>
+        <p:nvSpPr>
+          <p:cNvPr id="30" name="文本框 142"/>
+          <p:cNvSpPr>
+            <a:spLocks noChangeArrowheads="1"/>
+          </p:cNvSpPr>
+          <p:nvPr/>
+        </p:nvSpPr>
+        <p:spPr bwMode="auto">
+          <a:xfrm>
+            <a:off x="240507" y="737965"/>
+            <a:ext cx="3262432" cy="707886"/>
+          </a:xfrm>
+          <a:prstGeom prst="rect">
+            <a:avLst/>
+          </a:prstGeom>
+          <a:noFill/>
+          <a:ln>
+            <a:noFill/>
+          </a:ln>
+          <a:extLst>
+            <a:ext uri="{909E8E84-426E-40DD-AFC4-6F175D3DCCD1}">
+              <a14:hiddenFill xmlns:a14="http://schemas.microsoft.com/office/drawing/2010/main">
+                <a:solidFill>
+                  <a:srgbClr val="FFFFFF"/>
+                </a:solidFill>
+              </a14:hiddenFill>
+            </a:ext>
+            <a:ext uri="{91240B29-F687-4F45-9708-019B960494DF}">
+              <a14:hiddenLine xmlns:a14="http://schemas.microsoft.com/office/drawing/2010/main" w="9525">
+                <a:solidFill>
+                  <a:srgbClr val="000000"/>
+                </a:solidFill>
+                <a:miter lim="800000"/>
+                <a:headEnd/>
+                <a:tailEnd/>
+              </a14:hiddenLine>
+            </a:ext>
+          </a:extLst>
+        </p:spPr>
+        <p:txBody>
+          <a:bodyPr wrap="none">
+            <a:spAutoFit/>
+          </a:bodyPr>
+          <a:lstStyle>
+            <a:lvl1pPr>
+              <a:lnSpc>
+                <a:spcPct val="90000"/>
+              </a:lnSpc>
+              <a:spcBef>
+                <a:spcPts val="1000"/>
+              </a:spcBef>
+              <a:buFont typeface="Arial" panose="020B0604020202020204" pitchFamily="34" charset="0"/>
+              <a:buChar char="•"/>
+              <a:defRPr sz="2800">
+                <a:solidFill>
+                  <a:schemeClr val="tx1"/>
+                </a:solidFill>
+                <a:latin typeface="Calibri" panose="020F0502020204030204" pitchFamily="34" charset="0"/>
+                <a:ea typeface="宋体" panose="02010600030101010101" pitchFamily="2" charset="-122"/>
+                <a:sym typeface="Calibri" panose="020F0502020204030204" pitchFamily="34" charset="0"/>
+              </a:defRPr>
+            </a:lvl1pPr>
+            <a:lvl2pPr marL="742950" indent="-285750">
+              <a:lnSpc>
+                <a:spcPct val="90000"/>
+              </a:lnSpc>
+              <a:spcBef>
+                <a:spcPts val="500"/>
+              </a:spcBef>
+              <a:buFont typeface="Arial" panose="020B0604020202020204" pitchFamily="34" charset="0"/>
+              <a:buChar char="•"/>
+              <a:defRPr sz="2400">
+                <a:solidFill>
+                  <a:schemeClr val="tx1"/>
+                </a:solidFill>
+                <a:latin typeface="Calibri" panose="020F0502020204030204" pitchFamily="34" charset="0"/>
+                <a:ea typeface="宋体" panose="02010600030101010101" pitchFamily="2" charset="-122"/>
+                <a:sym typeface="Calibri" panose="020F0502020204030204" pitchFamily="34" charset="0"/>
+              </a:defRPr>
+            </a:lvl2pPr>
+            <a:lvl3pPr marL="1143000" indent="-228600">
+              <a:lnSpc>
+                <a:spcPct val="90000"/>
+              </a:lnSpc>
+              <a:spcBef>
+                <a:spcPts val="500"/>
+              </a:spcBef>
+              <a:buFont typeface="Arial" panose="020B0604020202020204" pitchFamily="34" charset="0"/>
+              <a:buChar char="•"/>
+              <a:defRPr sz="2000">
+                <a:solidFill>
+                  <a:schemeClr val="tx1"/>
+                </a:solidFill>
+                <a:latin typeface="Calibri" panose="020F0502020204030204" pitchFamily="34" charset="0"/>
+                <a:ea typeface="宋体" panose="02010600030101010101" pitchFamily="2" charset="-122"/>
+                <a:sym typeface="Calibri" panose="020F0502020204030204" pitchFamily="34" charset="0"/>
+              </a:defRPr>
+            </a:lvl3pPr>
+            <a:lvl4pPr marL="1600200" indent="-228600">
+              <a:lnSpc>
+                <a:spcPct val="90000"/>
+              </a:lnSpc>
+              <a:spcBef>
+                <a:spcPts val="500"/>
+              </a:spcBef>
+              <a:buFont typeface="Arial" panose="020B0604020202020204" pitchFamily="34" charset="0"/>
+              <a:buChar char="•"/>
+              <a:defRPr>
+                <a:solidFill>
+                  <a:schemeClr val="tx1"/>
+                </a:solidFill>
+                <a:latin typeface="Calibri" panose="020F0502020204030204" pitchFamily="34" charset="0"/>
+                <a:ea typeface="宋体" panose="02010600030101010101" pitchFamily="2" charset="-122"/>
+                <a:sym typeface="Calibri" panose="020F0502020204030204" pitchFamily="34" charset="0"/>
+              </a:defRPr>
+            </a:lvl4pPr>
+            <a:lvl5pPr marL="2057400" indent="-228600">
+              <a:lnSpc>
+                <a:spcPct val="90000"/>
+              </a:lnSpc>
+              <a:spcBef>
+                <a:spcPts val="500"/>
+              </a:spcBef>
+              <a:buFont typeface="Arial" panose="020B0604020202020204" pitchFamily="34" charset="0"/>
+              <a:buChar char="•"/>
+              <a:defRPr>
+                <a:solidFill>
+                  <a:schemeClr val="tx1"/>
+                </a:solidFill>
+                <a:latin typeface="Calibri" panose="020F0502020204030204" pitchFamily="34" charset="0"/>
+                <a:ea typeface="宋体" panose="02010600030101010101" pitchFamily="2" charset="-122"/>
+                <a:sym typeface="Calibri" panose="020F0502020204030204" pitchFamily="34" charset="0"/>
+              </a:defRPr>
+            </a:lvl5pPr>
+            <a:lvl6pPr marL="2514600" indent="-228600" eaLnBrk="0" fontAlgn="base" hangingPunct="0">
+              <a:lnSpc>
+                <a:spcPct val="90000"/>
+              </a:lnSpc>
+              <a:spcBef>
+                <a:spcPts val="500"/>
+              </a:spcBef>
+              <a:spcAft>
+                <a:spcPct val="0"/>
+              </a:spcAft>
+              <a:buFont typeface="Arial" panose="020B0604020202020204" pitchFamily="34" charset="0"/>
+              <a:buChar char="•"/>
+              <a:defRPr>
+                <a:solidFill>
+                  <a:schemeClr val="tx1"/>
+                </a:solidFill>
+                <a:latin typeface="Calibri" panose="020F0502020204030204" pitchFamily="34" charset="0"/>
+                <a:ea typeface="宋体" panose="02010600030101010101" pitchFamily="2" charset="-122"/>
+                <a:sym typeface="Calibri" panose="020F0502020204030204" pitchFamily="34" charset="0"/>
+              </a:defRPr>
+            </a:lvl6pPr>
+            <a:lvl7pPr marL="2971800" indent="-228600" eaLnBrk="0" fontAlgn="base" hangingPunct="0">
+              <a:lnSpc>
+                <a:spcPct val="90000"/>
+              </a:lnSpc>
+              <a:spcBef>
+                <a:spcPts val="500"/>
+              </a:spcBef>
+              <a:spcAft>
+                <a:spcPct val="0"/>
+              </a:spcAft>
+              <a:buFont typeface="Arial" panose="020B0604020202020204" pitchFamily="34" charset="0"/>
+              <a:buChar char="•"/>
+              <a:defRPr>
+                <a:solidFill>
+                  <a:schemeClr val="tx1"/>
+                </a:solidFill>
+                <a:latin typeface="Calibri" panose="020F0502020204030204" pitchFamily="34" charset="0"/>
+                <a:ea typeface="宋体" panose="02010600030101010101" pitchFamily="2" charset="-122"/>
+                <a:sym typeface="Calibri" panose="020F0502020204030204" pitchFamily="34" charset="0"/>
+              </a:defRPr>
+            </a:lvl7pPr>
+            <a:lvl8pPr marL="3429000" indent="-228600" eaLnBrk="0" fontAlgn="base" hangingPunct="0">
+              <a:lnSpc>
+                <a:spcPct val="90000"/>
+              </a:lnSpc>
+              <a:spcBef>
+                <a:spcPts val="500"/>
+              </a:spcBef>
+              <a:spcAft>
+                <a:spcPct val="0"/>
+              </a:spcAft>
+              <a:buFont typeface="Arial" panose="020B0604020202020204" pitchFamily="34" charset="0"/>
+              <a:buChar char="•"/>
+              <a:defRPr>
+                <a:solidFill>
+                  <a:schemeClr val="tx1"/>
+                </a:solidFill>
+                <a:latin typeface="Calibri" panose="020F0502020204030204" pitchFamily="34" charset="0"/>
+                <a:ea typeface="宋体" panose="02010600030101010101" pitchFamily="2" charset="-122"/>
+                <a:sym typeface="Calibri" panose="020F0502020204030204" pitchFamily="34" charset="0"/>
+              </a:defRPr>
+            </a:lvl8pPr>
+            <a:lvl9pPr marL="3886200" indent="-228600" eaLnBrk="0" fontAlgn="base" hangingPunct="0">
+              <a:lnSpc>
+                <a:spcPct val="90000"/>
+              </a:lnSpc>
+              <a:spcBef>
+                <a:spcPts val="500"/>
+              </a:spcBef>
+              <a:spcAft>
+                <a:spcPct val="0"/>
+              </a:spcAft>
+              <a:buFont typeface="Arial" panose="020B0604020202020204" pitchFamily="34" charset="0"/>
+              <a:buChar char="•"/>
+              <a:defRPr>
+                <a:solidFill>
+                  <a:schemeClr val="tx1"/>
+                </a:solidFill>
+                <a:latin typeface="Calibri" panose="020F0502020204030204" pitchFamily="34" charset="0"/>
+                <a:ea typeface="宋体" panose="02010600030101010101" pitchFamily="2" charset="-122"/>
+                <a:sym typeface="Calibri" panose="020F0502020204030204" pitchFamily="34" charset="0"/>
+              </a:defRPr>
+            </a:lvl9pPr>
+          </a:lstStyle>
+          <a:p>
+            <a:pPr eaLnBrk="1" hangingPunct="1">
+              <a:lnSpc>
+                <a:spcPct val="100000"/>
+              </a:lnSpc>
+              <a:spcBef>
+                <a:spcPct val="0"/>
+              </a:spcBef>
+              <a:buFont typeface="Arial" panose="020B0604020202020204" pitchFamily="34" charset="0"/>
+              <a:buNone/>
+            </a:pPr>
+            <a:r>
+              <a:rPr lang="zh-CN" altLang="en-US" sz="4000" b="1" dirty="0" smtClean="0">
+                <a:solidFill>
+                  <a:srgbClr val="A37F67"/>
+                </a:solidFill>
+                <a:latin typeface="微软雅黑" panose="020B0503020204020204" pitchFamily="34" charset="-122"/>
+                <a:ea typeface="微软雅黑" panose="020B0503020204020204" pitchFamily="34" charset="-122"/>
+                <a:sym typeface="微软雅黑" panose="020B0503020204020204" pitchFamily="34" charset="-122"/>
+              </a:rPr>
+              <a:t>项</a:t>
+            </a:r>
+            <a:r>
+              <a:rPr lang="zh-CN" altLang="en-US" sz="4000" b="1" dirty="0" smtClean="0">
+                <a:solidFill>
+                  <a:srgbClr val="A37F67"/>
+                </a:solidFill>
+                <a:latin typeface="微软雅黑" panose="020B0503020204020204" pitchFamily="34" charset="-122"/>
+                <a:ea typeface="微软雅黑" panose="020B0503020204020204" pitchFamily="34" charset="-122"/>
+                <a:sym typeface="微软雅黑" panose="020B0503020204020204" pitchFamily="34" charset="-122"/>
+              </a:rPr>
+              <a:t>目预期成果</a:t>
+            </a:r>
+            <a:endParaRPr lang="zh-CN" altLang="en-US" sz="4000" b="1" dirty="0">
+              <a:solidFill>
+                <a:srgbClr val="A37F67"/>
+              </a:solidFill>
+              <a:latin typeface="微软雅黑" panose="020B0503020204020204" pitchFamily="34" charset="-122"/>
+              <a:ea typeface="微软雅黑" panose="020B0503020204020204" pitchFamily="34" charset="-122"/>
+              <a:sym typeface="微软雅黑" panose="020B0503020204020204" pitchFamily="34" charset="-122"/>
+            </a:endParaRPr>
+          </a:p>
+        </p:txBody>
+      </p:sp>
+      <p:sp>
+        <p:nvSpPr>
+          <p:cNvPr id="4" name="内容占位符 2"/>
+          <p:cNvSpPr txBox="1">
+            <a:spLocks/>
+          </p:cNvSpPr>
+          <p:nvPr/>
+        </p:nvSpPr>
+        <p:spPr>
+          <a:xfrm>
+            <a:off x="628650" y="1825625"/>
+            <a:ext cx="7886700" cy="4351338"/>
+          </a:xfrm>
+          <a:prstGeom prst="rect">
+            <a:avLst/>
+          </a:prstGeom>
+        </p:spPr>
+        <p:txBody>
+          <a:bodyPr/>
+          <a:lstStyle>
+            <a:lvl1pPr marL="228600" indent="-228600" algn="l" defTabSz="914400" rtl="0" eaLnBrk="1" latinLnBrk="0" hangingPunct="1">
+              <a:lnSpc>
+                <a:spcPct val="90000"/>
+              </a:lnSpc>
+              <a:spcBef>
+                <a:spcPts val="1000"/>
+              </a:spcBef>
+              <a:buFont typeface="Arial" panose="020B0604020202020204" pitchFamily="34" charset="0"/>
+              <a:buChar char="•"/>
+              <a:defRPr sz="2800" kern="1200">
+                <a:solidFill>
+                  <a:schemeClr val="tx1"/>
+                </a:solidFill>
+                <a:latin typeface="+mn-lt"/>
+                <a:ea typeface="+mn-ea"/>
+                <a:cs typeface="+mn-cs"/>
+              </a:defRPr>
+            </a:lvl1pPr>
+            <a:lvl2pPr marL="685800" indent="-228600" algn="l" defTabSz="914400" rtl="0" eaLnBrk="1" latinLnBrk="0" hangingPunct="1">
+              <a:lnSpc>
+                <a:spcPct val="90000"/>
+              </a:lnSpc>
+              <a:spcBef>
+                <a:spcPts val="500"/>
+              </a:spcBef>
+              <a:buFont typeface="Arial" panose="020B0604020202020204" pitchFamily="34" charset="0"/>
+              <a:buChar char="•"/>
+              <a:defRPr sz="2400" kern="1200">
+                <a:solidFill>
+                  <a:schemeClr val="tx1"/>
+                </a:solidFill>
+                <a:latin typeface="+mn-lt"/>
+                <a:ea typeface="+mn-ea"/>
+                <a:cs typeface="+mn-cs"/>
+              </a:defRPr>
+            </a:lvl2pPr>
+            <a:lvl3pPr marL="1143000" indent="-228600" algn="l" defTabSz="914400" rtl="0" eaLnBrk="1" latinLnBrk="0" hangingPunct="1">
+              <a:lnSpc>
+                <a:spcPct val="90000"/>
+              </a:lnSpc>
+              <a:spcBef>
+                <a:spcPts val="500"/>
+              </a:spcBef>
+              <a:buFont typeface="Arial" panose="020B0604020202020204" pitchFamily="34" charset="0"/>
+              <a:buChar char="•"/>
+              <a:defRPr sz="2000" kern="1200">
+                <a:solidFill>
+                  <a:schemeClr val="tx1"/>
+                </a:solidFill>
+                <a:latin typeface="+mn-lt"/>
+                <a:ea typeface="+mn-ea"/>
+                <a:cs typeface="+mn-cs"/>
+              </a:defRPr>
+            </a:lvl3pPr>
+            <a:lvl4pPr marL="1600200" indent="-228600" algn="l" defTabSz="914400" rtl="0" eaLnBrk="1" latinLnBrk="0" hangingPunct="1">
+              <a:lnSpc>
+                <a:spcPct val="90000"/>
+              </a:lnSpc>
+              <a:spcBef>
+                <a:spcPts val="500"/>
+              </a:spcBef>
+              <a:buFont typeface="Arial" panose="020B0604020202020204" pitchFamily="34" charset="0"/>
+              <a:buChar char="•"/>
+              <a:defRPr sz="1800" kern="1200">
+                <a:solidFill>
+                  <a:schemeClr val="tx1"/>
+                </a:solidFill>
+                <a:latin typeface="+mn-lt"/>
+                <a:ea typeface="+mn-ea"/>
+                <a:cs typeface="+mn-cs"/>
+              </a:defRPr>
+            </a:lvl4pPr>
+            <a:lvl5pPr marL="2057400" indent="-228600" algn="l" defTabSz="914400" rtl="0" eaLnBrk="1" latinLnBrk="0" hangingPunct="1">
+              <a:lnSpc>
+                <a:spcPct val="90000"/>
+              </a:lnSpc>
+              <a:spcBef>
+                <a:spcPts val="500"/>
+              </a:spcBef>
+              <a:buFont typeface="Arial" panose="020B0604020202020204" pitchFamily="34" charset="0"/>
+              <a:buChar char="•"/>
+              <a:defRPr sz="1800" kern="1200">
+                <a:solidFill>
+                  <a:schemeClr val="tx1"/>
+                </a:solidFill>
+                <a:latin typeface="+mn-lt"/>
+                <a:ea typeface="+mn-ea"/>
+                <a:cs typeface="+mn-cs"/>
+              </a:defRPr>
+            </a:lvl5pPr>
+            <a:lvl6pPr marL="2514600" indent="-228600" algn="l" defTabSz="914400" rtl="0" eaLnBrk="1" latinLnBrk="0" hangingPunct="1">
+              <a:lnSpc>
+                <a:spcPct val="90000"/>
+              </a:lnSpc>
+              <a:spcBef>
+                <a:spcPts val="500"/>
+              </a:spcBef>
+              <a:buFont typeface="Arial" panose="020B0604020202020204" pitchFamily="34" charset="0"/>
+              <a:buChar char="•"/>
+              <a:defRPr sz="1800" kern="1200">
+                <a:solidFill>
+                  <a:schemeClr val="tx1"/>
+                </a:solidFill>
+                <a:latin typeface="+mn-lt"/>
+                <a:ea typeface="+mn-ea"/>
+                <a:cs typeface="+mn-cs"/>
+              </a:defRPr>
+            </a:lvl6pPr>
+            <a:lvl7pPr marL="2971800" indent="-228600" algn="l" defTabSz="914400" rtl="0" eaLnBrk="1" latinLnBrk="0" hangingPunct="1">
+              <a:lnSpc>
+                <a:spcPct val="90000"/>
+              </a:lnSpc>
+              <a:spcBef>
+                <a:spcPts val="500"/>
+              </a:spcBef>
+              <a:buFont typeface="Arial" panose="020B0604020202020204" pitchFamily="34" charset="0"/>
+              <a:buChar char="•"/>
+              <a:defRPr sz="1800" kern="1200">
+                <a:solidFill>
+                  <a:schemeClr val="tx1"/>
+                </a:solidFill>
+                <a:latin typeface="+mn-lt"/>
+                <a:ea typeface="+mn-ea"/>
+                <a:cs typeface="+mn-cs"/>
+              </a:defRPr>
+            </a:lvl7pPr>
+            <a:lvl8pPr marL="3429000" indent="-228600" algn="l" defTabSz="914400" rtl="0" eaLnBrk="1" latinLnBrk="0" hangingPunct="1">
+              <a:lnSpc>
+                <a:spcPct val="90000"/>
+              </a:lnSpc>
+              <a:spcBef>
+                <a:spcPts val="500"/>
+              </a:spcBef>
+              <a:buFont typeface="Arial" panose="020B0604020202020204" pitchFamily="34" charset="0"/>
+              <a:buChar char="•"/>
+              <a:defRPr sz="1800" kern="1200">
+                <a:solidFill>
+                  <a:schemeClr val="tx1"/>
+                </a:solidFill>
+                <a:latin typeface="+mn-lt"/>
+                <a:ea typeface="+mn-ea"/>
+                <a:cs typeface="+mn-cs"/>
+              </a:defRPr>
+            </a:lvl8pPr>
+            <a:lvl9pPr marL="3886200" indent="-228600" algn="l" defTabSz="914400" rtl="0" eaLnBrk="1" latinLnBrk="0" hangingPunct="1">
+              <a:lnSpc>
+                <a:spcPct val="90000"/>
+              </a:lnSpc>
+              <a:spcBef>
+                <a:spcPts val="500"/>
+              </a:spcBef>
+              <a:buFont typeface="Arial" panose="020B0604020202020204" pitchFamily="34" charset="0"/>
+              <a:buChar char="•"/>
+              <a:defRPr sz="1800" kern="1200">
+                <a:solidFill>
+                  <a:schemeClr val="tx1"/>
+                </a:solidFill>
+                <a:latin typeface="+mn-lt"/>
+                <a:ea typeface="+mn-ea"/>
+                <a:cs typeface="+mn-cs"/>
+              </a:defRPr>
+            </a:lvl9pPr>
+          </a:lstStyle>
+          <a:p>
+            <a:r>
+              <a:rPr lang="en-US" altLang="zh-CN" sz="2400" b="1" dirty="0" smtClean="0">
+                <a:latin typeface="微软雅黑" panose="020B0503020204020204" pitchFamily="34" charset="-122"/>
+                <a:ea typeface="微软雅黑" panose="020B0503020204020204" pitchFamily="34" charset="-122"/>
+              </a:rPr>
+              <a:t>《</a:t>
+            </a:r>
+            <a:r>
+              <a:rPr lang="zh-CN" altLang="en-US" sz="2400" b="1" dirty="0">
+                <a:latin typeface="微软雅黑" panose="020B0503020204020204" pitchFamily="34" charset="-122"/>
+                <a:ea typeface="微软雅黑" panose="020B0503020204020204" pitchFamily="34" charset="-122"/>
+              </a:rPr>
+              <a:t>项目计划</a:t>
+            </a:r>
+            <a:r>
+              <a:rPr lang="en-US" altLang="zh-CN" sz="2400" b="1" dirty="0">
+                <a:latin typeface="微软雅黑" panose="020B0503020204020204" pitchFamily="34" charset="-122"/>
+                <a:ea typeface="微软雅黑" panose="020B0503020204020204" pitchFamily="34" charset="-122"/>
+              </a:rPr>
+              <a:t>》</a:t>
+            </a:r>
+          </a:p>
+          <a:p>
+            <a:r>
+              <a:rPr lang="en-US" altLang="zh-CN" sz="2400" b="1" dirty="0" smtClean="0">
+                <a:latin typeface="微软雅黑" panose="020B0503020204020204" pitchFamily="34" charset="-122"/>
+                <a:ea typeface="微软雅黑" panose="020B0503020204020204" pitchFamily="34" charset="-122"/>
+              </a:rPr>
+              <a:t>《</a:t>
+            </a:r>
+            <a:r>
+              <a:rPr lang="zh-CN" altLang="en-US" sz="2400" b="1" dirty="0">
+                <a:latin typeface="微软雅黑" panose="020B0503020204020204" pitchFamily="34" charset="-122"/>
+                <a:ea typeface="微软雅黑" panose="020B0503020204020204" pitchFamily="34" charset="-122"/>
+              </a:rPr>
+              <a:t>迭代计划</a:t>
+            </a:r>
+            <a:r>
+              <a:rPr lang="en-US" altLang="zh-CN" sz="2400" b="1" dirty="0" smtClean="0">
+                <a:latin typeface="微软雅黑" panose="020B0503020204020204" pitchFamily="34" charset="-122"/>
+                <a:ea typeface="微软雅黑" panose="020B0503020204020204" pitchFamily="34" charset="-122"/>
+              </a:rPr>
+              <a:t>》</a:t>
+            </a:r>
+            <a:endParaRPr lang="zh-CN" altLang="en-US" sz="2400" b="1" dirty="0">
+              <a:latin typeface="微软雅黑" panose="020B0503020204020204" pitchFamily="34" charset="-122"/>
+              <a:ea typeface="微软雅黑" panose="020B0503020204020204" pitchFamily="34" charset="-122"/>
+            </a:endParaRPr>
+          </a:p>
+          <a:p>
+            <a:r>
+              <a:rPr lang="en-US" altLang="zh-CN" sz="2400" b="1" dirty="0" smtClean="0">
+                <a:latin typeface="微软雅黑" panose="020B0503020204020204" pitchFamily="34" charset="-122"/>
+                <a:ea typeface="微软雅黑" panose="020B0503020204020204" pitchFamily="34" charset="-122"/>
+              </a:rPr>
+              <a:t>《</a:t>
+            </a:r>
+            <a:r>
+              <a:rPr lang="zh-CN" altLang="en-US" sz="2400" b="1" dirty="0">
+                <a:latin typeface="微软雅黑" panose="020B0503020204020204" pitchFamily="34" charset="-122"/>
+                <a:ea typeface="微软雅黑" panose="020B0503020204020204" pitchFamily="34" charset="-122"/>
+              </a:rPr>
+              <a:t>迭代评估报告</a:t>
+            </a:r>
+            <a:r>
+              <a:rPr lang="en-US" altLang="zh-CN" sz="2400" b="1" dirty="0" smtClean="0">
+                <a:latin typeface="微软雅黑" panose="020B0503020204020204" pitchFamily="34" charset="-122"/>
+                <a:ea typeface="微软雅黑" panose="020B0503020204020204" pitchFamily="34" charset="-122"/>
+              </a:rPr>
+              <a:t>》</a:t>
+            </a:r>
+          </a:p>
+          <a:p>
+            <a:r>
+              <a:rPr lang="en-US" altLang="zh-CN" sz="2400" b="1" dirty="0" smtClean="0">
+                <a:latin typeface="微软雅黑" panose="020B0503020204020204" pitchFamily="34" charset="-122"/>
+                <a:ea typeface="微软雅黑" panose="020B0503020204020204" pitchFamily="34" charset="-122"/>
+              </a:rPr>
+              <a:t>《</a:t>
+            </a:r>
+            <a:r>
+              <a:rPr lang="en-US" altLang="zh-CN" sz="2400" b="1" dirty="0">
+                <a:latin typeface="微软雅黑" panose="020B0503020204020204" pitchFamily="34" charset="-122"/>
+                <a:ea typeface="微软雅黑" panose="020B0503020204020204" pitchFamily="34" charset="-122"/>
+              </a:rPr>
+              <a:t>SRS</a:t>
+            </a:r>
+            <a:r>
+              <a:rPr lang="zh-CN" altLang="en-US" sz="2400" b="1" dirty="0">
+                <a:latin typeface="微软雅黑" panose="020B0503020204020204" pitchFamily="34" charset="-122"/>
+                <a:ea typeface="微软雅黑" panose="020B0503020204020204" pitchFamily="34" charset="-122"/>
+              </a:rPr>
+              <a:t>文档</a:t>
+            </a:r>
+            <a:r>
+              <a:rPr lang="en-US" altLang="zh-CN" sz="2400" b="1" dirty="0">
+                <a:latin typeface="微软雅黑" panose="020B0503020204020204" pitchFamily="34" charset="-122"/>
+                <a:ea typeface="微软雅黑" panose="020B0503020204020204" pitchFamily="34" charset="-122"/>
+              </a:rPr>
+              <a:t>》</a:t>
+            </a:r>
+            <a:r>
+              <a:rPr lang="zh-CN" altLang="en-US" sz="2400" b="1" dirty="0">
+                <a:latin typeface="微软雅黑" panose="020B0503020204020204" pitchFamily="34" charset="-122"/>
+                <a:ea typeface="微软雅黑" panose="020B0503020204020204" pitchFamily="34" charset="-122"/>
+              </a:rPr>
+              <a:t>和用例模型（</a:t>
+            </a:r>
+            <a:r>
+              <a:rPr lang="en-US" altLang="zh-CN" sz="2400" b="1" dirty="0">
+                <a:latin typeface="微软雅黑" panose="020B0503020204020204" pitchFamily="34" charset="-122"/>
+                <a:ea typeface="微软雅黑" panose="020B0503020204020204" pitchFamily="34" charset="-122"/>
+              </a:rPr>
+              <a:t>.oom</a:t>
+            </a:r>
+            <a:r>
+              <a:rPr lang="zh-CN" altLang="en-US" sz="2400" b="1" dirty="0">
+                <a:latin typeface="微软雅黑" panose="020B0503020204020204" pitchFamily="34" charset="-122"/>
+                <a:ea typeface="微软雅黑" panose="020B0503020204020204" pitchFamily="34" charset="-122"/>
+              </a:rPr>
+              <a:t>）</a:t>
+            </a:r>
+          </a:p>
+          <a:p>
+            <a:r>
+              <a:rPr lang="en-US" altLang="zh-CN" sz="2400" b="1" dirty="0" smtClean="0">
+                <a:latin typeface="微软雅黑" panose="020B0503020204020204" pitchFamily="34" charset="-122"/>
+                <a:ea typeface="微软雅黑" panose="020B0503020204020204" pitchFamily="34" charset="-122"/>
+              </a:rPr>
+              <a:t>《</a:t>
+            </a:r>
+            <a:r>
+              <a:rPr lang="zh-CN" altLang="en-US" sz="2400" b="1" dirty="0">
+                <a:latin typeface="微软雅黑" panose="020B0503020204020204" pitchFamily="34" charset="-122"/>
+                <a:ea typeface="微软雅黑" panose="020B0503020204020204" pitchFamily="34" charset="-122"/>
+              </a:rPr>
+              <a:t>软件架构文档</a:t>
+            </a:r>
+            <a:r>
+              <a:rPr lang="en-US" altLang="zh-CN" sz="2400" b="1" dirty="0">
+                <a:latin typeface="微软雅黑" panose="020B0503020204020204" pitchFamily="34" charset="-122"/>
+                <a:ea typeface="微软雅黑" panose="020B0503020204020204" pitchFamily="34" charset="-122"/>
+              </a:rPr>
+              <a:t>》</a:t>
+            </a:r>
+            <a:r>
+              <a:rPr lang="zh-CN" altLang="en-US" sz="2400" b="1" dirty="0">
+                <a:latin typeface="微软雅黑" panose="020B0503020204020204" pitchFamily="34" charset="-122"/>
+                <a:ea typeface="微软雅黑" panose="020B0503020204020204" pitchFamily="34" charset="-122"/>
+              </a:rPr>
+              <a:t>和分析设计模型（</a:t>
+            </a:r>
+            <a:r>
+              <a:rPr lang="en-US" altLang="zh-CN" sz="2400" b="1" dirty="0">
+                <a:latin typeface="微软雅黑" panose="020B0503020204020204" pitchFamily="34" charset="-122"/>
+                <a:ea typeface="微软雅黑" panose="020B0503020204020204" pitchFamily="34" charset="-122"/>
+              </a:rPr>
+              <a:t>.oom</a:t>
+            </a:r>
+            <a:r>
+              <a:rPr lang="zh-CN" altLang="en-US" sz="2400" b="1" dirty="0">
+                <a:latin typeface="微软雅黑" panose="020B0503020204020204" pitchFamily="34" charset="-122"/>
+                <a:ea typeface="微软雅黑" panose="020B0503020204020204" pitchFamily="34" charset="-122"/>
+              </a:rPr>
+              <a:t>）</a:t>
+            </a:r>
+          </a:p>
+          <a:p>
+            <a:r>
+              <a:rPr lang="en-US" altLang="zh-CN" sz="2400" b="1" dirty="0" smtClean="0">
+                <a:latin typeface="微软雅黑" panose="020B0503020204020204" pitchFamily="34" charset="-122"/>
+                <a:ea typeface="微软雅黑" panose="020B0503020204020204" pitchFamily="34" charset="-122"/>
+              </a:rPr>
+              <a:t>《</a:t>
+            </a:r>
+            <a:r>
+              <a:rPr lang="zh-CN" altLang="en-US" sz="2400" b="1" dirty="0">
+                <a:latin typeface="微软雅黑" panose="020B0503020204020204" pitchFamily="34" charset="-122"/>
+                <a:ea typeface="微软雅黑" panose="020B0503020204020204" pitchFamily="34" charset="-122"/>
+              </a:rPr>
+              <a:t>测试用例</a:t>
+            </a:r>
+            <a:r>
+              <a:rPr lang="en-US" altLang="zh-CN" sz="2400" b="1" dirty="0">
+                <a:latin typeface="微软雅黑" panose="020B0503020204020204" pitchFamily="34" charset="-122"/>
+                <a:ea typeface="微软雅黑" panose="020B0503020204020204" pitchFamily="34" charset="-122"/>
+              </a:rPr>
+              <a:t>》</a:t>
+            </a:r>
+            <a:r>
+              <a:rPr lang="zh-CN" altLang="en-US" sz="2400" b="1" dirty="0">
+                <a:latin typeface="微软雅黑" panose="020B0503020204020204" pitchFamily="34" charset="-122"/>
+                <a:ea typeface="微软雅黑" panose="020B0503020204020204" pitchFamily="34" charset="-122"/>
+              </a:rPr>
+              <a:t>和</a:t>
+            </a:r>
+            <a:r>
+              <a:rPr lang="en-US" altLang="zh-CN" sz="2400" b="1" dirty="0">
+                <a:latin typeface="微软雅黑" panose="020B0503020204020204" pitchFamily="34" charset="-122"/>
+                <a:ea typeface="微软雅黑" panose="020B0503020204020204" pitchFamily="34" charset="-122"/>
+              </a:rPr>
+              <a:t>《</a:t>
+            </a:r>
+            <a:r>
+              <a:rPr lang="zh-CN" altLang="en-US" sz="2400" b="1" dirty="0">
+                <a:latin typeface="微软雅黑" panose="020B0503020204020204" pitchFamily="34" charset="-122"/>
+                <a:ea typeface="微软雅黑" panose="020B0503020204020204" pitchFamily="34" charset="-122"/>
+              </a:rPr>
+              <a:t>测试报告</a:t>
+            </a:r>
+            <a:r>
+              <a:rPr lang="en-US" altLang="zh-CN" sz="2400" b="1" dirty="0">
+                <a:latin typeface="微软雅黑" panose="020B0503020204020204" pitchFamily="34" charset="-122"/>
+                <a:ea typeface="微软雅黑" panose="020B0503020204020204" pitchFamily="34" charset="-122"/>
+              </a:rPr>
+              <a:t>》</a:t>
+            </a:r>
+          </a:p>
+          <a:p>
+            <a:r>
+              <a:rPr lang="en-US" altLang="zh-CN" sz="2400" b="1" dirty="0" smtClean="0">
+                <a:latin typeface="微软雅黑" panose="020B0503020204020204" pitchFamily="34" charset="-122"/>
+                <a:ea typeface="微软雅黑" panose="020B0503020204020204" pitchFamily="34" charset="-122"/>
+              </a:rPr>
+              <a:t>《</a:t>
+            </a:r>
+            <a:r>
+              <a:rPr lang="zh-CN" altLang="en-US" sz="2400" b="1" dirty="0">
+                <a:latin typeface="微软雅黑" panose="020B0503020204020204" pitchFamily="34" charset="-122"/>
+                <a:ea typeface="微软雅黑" panose="020B0503020204020204" pitchFamily="34" charset="-122"/>
+              </a:rPr>
+              <a:t>项目总结报告</a:t>
+            </a:r>
+            <a:r>
+              <a:rPr lang="en-US" altLang="zh-CN" sz="2400" b="1" dirty="0">
+                <a:latin typeface="微软雅黑" panose="020B0503020204020204" pitchFamily="34" charset="-122"/>
+                <a:ea typeface="微软雅黑" panose="020B0503020204020204" pitchFamily="34" charset="-122"/>
+              </a:rPr>
+              <a:t>》</a:t>
+            </a:r>
+          </a:p>
+          <a:p>
+            <a:r>
+              <a:rPr lang="zh-CN" altLang="en-US" sz="2400" b="1" dirty="0" smtClean="0">
+                <a:latin typeface="微软雅黑" panose="020B0503020204020204" pitchFamily="34" charset="-122"/>
+                <a:ea typeface="微软雅黑" panose="020B0503020204020204" pitchFamily="34" charset="-122"/>
+              </a:rPr>
+              <a:t>  源</a:t>
+            </a:r>
+            <a:r>
+              <a:rPr lang="zh-CN" altLang="en-US" sz="2400" b="1" dirty="0">
+                <a:latin typeface="微软雅黑" panose="020B0503020204020204" pitchFamily="34" charset="-122"/>
+                <a:ea typeface="微软雅黑" panose="020B0503020204020204" pitchFamily="34" charset="-122"/>
+              </a:rPr>
+              <a:t>代码和可执行代码</a:t>
+            </a:r>
+          </a:p>
+          <a:p>
+            <a:r>
+              <a:rPr lang="zh-CN" altLang="en-US" sz="2400" b="1" dirty="0" smtClean="0">
+                <a:latin typeface="微软雅黑" panose="020B0503020204020204" pitchFamily="34" charset="-122"/>
+                <a:ea typeface="微软雅黑" panose="020B0503020204020204" pitchFamily="34" charset="-122"/>
+              </a:rPr>
+              <a:t>  演</a:t>
+            </a:r>
+            <a:r>
+              <a:rPr lang="zh-CN" altLang="en-US" sz="2400" b="1" dirty="0">
+                <a:latin typeface="微软雅黑" panose="020B0503020204020204" pitchFamily="34" charset="-122"/>
+                <a:ea typeface="微软雅黑" panose="020B0503020204020204" pitchFamily="34" charset="-122"/>
+              </a:rPr>
+              <a:t>示视频文</a:t>
+            </a:r>
+            <a:r>
+              <a:rPr lang="zh-CN" altLang="en-US" sz="2400" b="1" dirty="0" smtClean="0">
+                <a:latin typeface="微软雅黑" panose="020B0503020204020204" pitchFamily="34" charset="-122"/>
+                <a:ea typeface="微软雅黑" panose="020B0503020204020204" pitchFamily="34" charset="-122"/>
+              </a:rPr>
+              <a:t>件</a:t>
+            </a:r>
+            <a:endParaRPr lang="en-US" altLang="zh-CN" sz="2400" b="1" dirty="0" smtClean="0">
+              <a:latin typeface="微软雅黑" panose="020B0503020204020204" pitchFamily="34" charset="-122"/>
+              <a:ea typeface="微软雅黑" panose="020B0503020204020204" pitchFamily="34" charset="-122"/>
+            </a:endParaRPr>
+          </a:p>
+          <a:p>
+            <a:r>
+              <a:rPr lang="zh-CN" altLang="en-US" sz="2400" b="1" dirty="0" smtClean="0">
+                <a:latin typeface="微软雅黑" panose="020B0503020204020204" pitchFamily="34" charset="-122"/>
+                <a:ea typeface="微软雅黑" panose="020B0503020204020204" pitchFamily="34" charset="-122"/>
+              </a:rPr>
+              <a:t>  演</a:t>
+            </a:r>
+            <a:r>
+              <a:rPr lang="zh-CN" altLang="en-US" sz="2400" b="1" dirty="0">
+                <a:latin typeface="微软雅黑" panose="020B0503020204020204" pitchFamily="34" charset="-122"/>
+                <a:ea typeface="微软雅黑" panose="020B0503020204020204" pitchFamily="34" charset="-122"/>
+              </a:rPr>
+              <a:t>示</a:t>
+            </a:r>
+            <a:r>
+              <a:rPr lang="en-US" altLang="zh-CN" sz="2400" b="1" dirty="0">
+                <a:latin typeface="微软雅黑" panose="020B0503020204020204" pitchFamily="34" charset="-122"/>
+                <a:ea typeface="微软雅黑" panose="020B0503020204020204" pitchFamily="34" charset="-122"/>
+              </a:rPr>
+              <a:t>PPT</a:t>
+            </a:r>
+          </a:p>
+          <a:p>
+            <a:pPr lvl="1"/>
+            <a:endParaRPr lang="en-US" altLang="zh-CN" b="1" dirty="0" smtClean="0">
+              <a:latin typeface="微软雅黑" panose="020B0503020204020204" pitchFamily="34" charset="-122"/>
+              <a:ea typeface="微软雅黑" panose="020B0503020204020204" pitchFamily="34" charset="-122"/>
+            </a:endParaRPr>
+          </a:p>
+        </p:txBody>
+      </p:sp>
+    </p:spTree>
+    <p:extLst>
+      <p:ext uri="{BB962C8B-B14F-4D97-AF65-F5344CB8AC3E}">
+        <p14:creationId xmlns:p14="http://schemas.microsoft.com/office/powerpoint/2010/main" val="4258387785"/>
+      </p:ext>
+    </p:extLst>
+  </p:cSld>
+  <p:clrMapOvr>
+    <a:masterClrMapping/>
+  </p:clrMapOvr>
+  <p:transition spd="slow"/>
+  <p:timing>
+    <p:tnLst>
+      <p:par>
+        <p:cTn id="1" dur="indefinite" restart="never" nodeType="tmRoot"/>
+      </p:par>
+    </p:tnLst>
+  </p:timing>
+</p:sld>
+</file>
+
+<file path=ppt/slides/slide17.xml><?xml version="1.0" encoding="utf-8"?>
+<p:sld xmlns:a="http://schemas.openxmlformats.org/drawingml/2006/main" xmlns:r="http://schemas.openxmlformats.org/officeDocument/2006/relationships" xmlns:p="http://schemas.openxmlformats.org/presentationml/2006/main">
+  <p:cSld>
+    <p:spTree>
+      <p:nvGrpSpPr>
+        <p:cNvPr id="1" name=""/>
+        <p:cNvGrpSpPr/>
+        <p:nvPr/>
+      </p:nvGrpSpPr>
+      <p:grpSpPr>
+        <a:xfrm>
+          <a:off x="0" y="0"/>
+          <a:ext cx="0" cy="0"/>
+          <a:chOff x="0" y="0"/>
+          <a:chExt cx="0" cy="0"/>
+        </a:xfrm>
+      </p:grpSpPr>
       <p:grpSp>
         <p:nvGrpSpPr>
           <p:cNvPr id="24578" name="组合 2"/>
@@ -22569,14 +23607,7 @@
                 <a:latin typeface="微软雅黑" panose="020B0503020204020204" pitchFamily="34" charset="-122"/>
                 <a:ea typeface="微软雅黑" panose="020B0503020204020204" pitchFamily="34" charset="-122"/>
               </a:rPr>
-              <a:t>缺乏统一的通知形式</a:t>
-            </a:r>
-            <a:r>
-              <a:rPr lang="zh-CN" altLang="en-US" dirty="0" smtClean="0">
-                <a:latin typeface="微软雅黑" panose="020B0503020204020204" pitchFamily="34" charset="-122"/>
-                <a:ea typeface="微软雅黑" panose="020B0503020204020204" pitchFamily="34" charset="-122"/>
-              </a:rPr>
-              <a:t>。</a:t>
+              <a:t>缺乏统一的通知形式。</a:t>
             </a:r>
             <a:endParaRPr lang="en-US" altLang="zh-CN" dirty="0" smtClean="0">
               <a:latin typeface="微软雅黑" panose="020B0503020204020204" pitchFamily="34" charset="-122"/>
@@ -23336,7 +24367,14 @@
                 <a:latin typeface="微软雅黑" panose="020B0503020204020204" pitchFamily="34" charset="-122"/>
                 <a:ea typeface="微软雅黑" panose="020B0503020204020204" pitchFamily="34" charset="-122"/>
               </a:rPr>
-              <a:t>果有一个应用</a:t>
+              <a:t>果有一个应</a:t>
+            </a:r>
+            <a:r>
+              <a:rPr lang="zh-CN" altLang="en-US" b="1" dirty="0" smtClean="0">
+                <a:latin typeface="微软雅黑" panose="020B0503020204020204" pitchFamily="34" charset="-122"/>
+                <a:ea typeface="微软雅黑" panose="020B0503020204020204" pitchFamily="34" charset="-122"/>
+              </a:rPr>
+              <a:t>用</a:t>
             </a:r>
             <a:endParaRPr lang="en-US" altLang="zh-CN" b="1" dirty="0" smtClean="0">
               <a:latin typeface="微软雅黑" panose="020B0503020204020204" pitchFamily="34" charset="-122"/>
@@ -23344,9 +24382,98 @@
             </a:endParaRPr>
           </a:p>
           <a:p>
-            <a:pPr marL="457200" lvl="1" indent="0">
-              <a:buNone/>
-            </a:pPr>
+            <a:pPr lvl="1"/>
+            <a:r>
+              <a:rPr lang="zh-CN" altLang="en-US" dirty="0">
+                <a:latin typeface="微软雅黑" panose="020B0503020204020204" pitchFamily="34" charset="-122"/>
+                <a:ea typeface="微软雅黑" panose="020B0503020204020204" pitchFamily="34" charset="-122"/>
+              </a:rPr>
+              <a:t>把</a:t>
+            </a:r>
+            <a:r>
+              <a:rPr lang="zh-CN" altLang="en-US" dirty="0" smtClean="0">
+                <a:latin typeface="微软雅黑" panose="020B0503020204020204" pitchFamily="34" charset="-122"/>
+                <a:ea typeface="微软雅黑" panose="020B0503020204020204" pitchFamily="34" charset="-122"/>
+              </a:rPr>
+              <a:t>原</a:t>
+            </a:r>
+            <a:r>
+              <a:rPr lang="zh-CN" altLang="en-US" dirty="0">
+                <a:latin typeface="微软雅黑" panose="020B0503020204020204" pitchFamily="34" charset="-122"/>
+                <a:ea typeface="微软雅黑" panose="020B0503020204020204" pitchFamily="34" charset="-122"/>
+              </a:rPr>
+              <a:t>本分散在各个渠道的通知整</a:t>
+            </a:r>
+            <a:r>
+              <a:rPr lang="zh-CN" altLang="en-US" dirty="0" smtClean="0">
+                <a:latin typeface="微软雅黑" panose="020B0503020204020204" pitchFamily="34" charset="-122"/>
+                <a:ea typeface="微软雅黑" panose="020B0503020204020204" pitchFamily="34" charset="-122"/>
+              </a:rPr>
+              <a:t>合在一起，让通知者不必再去花费大量时间查看各个平台的通知。</a:t>
+            </a:r>
+            <a:endParaRPr lang="en-US" altLang="zh-CN" dirty="0" smtClean="0">
+              <a:latin typeface="微软雅黑" panose="020B0503020204020204" pitchFamily="34" charset="-122"/>
+              <a:ea typeface="微软雅黑" panose="020B0503020204020204" pitchFamily="34" charset="-122"/>
+            </a:endParaRPr>
+          </a:p>
+          <a:p>
+            <a:pPr lvl="1"/>
+            <a:endParaRPr lang="en-US" altLang="zh-CN" dirty="0">
+              <a:latin typeface="微软雅黑" panose="020B0503020204020204" pitchFamily="34" charset="-122"/>
+              <a:ea typeface="微软雅黑" panose="020B0503020204020204" pitchFamily="34" charset="-122"/>
+            </a:endParaRPr>
+          </a:p>
+          <a:p>
+            <a:pPr lvl="1"/>
+            <a:r>
+              <a:rPr lang="zh-CN" altLang="en-US" dirty="0" smtClean="0">
+                <a:latin typeface="微软雅黑" panose="020B0503020204020204" pitchFamily="34" charset="-122"/>
+                <a:ea typeface="微软雅黑" panose="020B0503020204020204" pitchFamily="34" charset="-122"/>
+              </a:rPr>
+              <a:t>给通知者提供方便快捷的通知情况回执统计服务，让通知者不必进行繁琐的手工统计。</a:t>
+            </a:r>
+            <a:endParaRPr lang="en-US" altLang="zh-CN" dirty="0" smtClean="0">
+              <a:latin typeface="微软雅黑" panose="020B0503020204020204" pitchFamily="34" charset="-122"/>
+              <a:ea typeface="微软雅黑" panose="020B0503020204020204" pitchFamily="34" charset="-122"/>
+            </a:endParaRPr>
+          </a:p>
+          <a:p>
+            <a:pPr lvl="1"/>
+            <a:endParaRPr lang="en-US" altLang="zh-CN" dirty="0">
+              <a:latin typeface="微软雅黑" panose="020B0503020204020204" pitchFamily="34" charset="-122"/>
+              <a:ea typeface="微软雅黑" panose="020B0503020204020204" pitchFamily="34" charset="-122"/>
+            </a:endParaRPr>
+          </a:p>
+          <a:p>
+            <a:pPr lvl="1"/>
+            <a:r>
+              <a:rPr lang="zh-CN" altLang="en-US" dirty="0">
+                <a:latin typeface="微软雅黑" panose="020B0503020204020204" pitchFamily="34" charset="-122"/>
+                <a:ea typeface="微软雅黑" panose="020B0503020204020204" pitchFamily="34" charset="-122"/>
+              </a:rPr>
+              <a:t>再提供事物管理功能，将通知与日常的工作事务进行对</a:t>
+            </a:r>
+            <a:r>
+              <a:rPr lang="zh-CN" altLang="en-US" dirty="0" smtClean="0">
+                <a:latin typeface="微软雅黑" panose="020B0503020204020204" pitchFamily="34" charset="-122"/>
+                <a:ea typeface="微软雅黑" panose="020B0503020204020204" pitchFamily="34" charset="-122"/>
+              </a:rPr>
+              <a:t>接，提高组织的管理效率。</a:t>
+            </a:r>
+            <a:endParaRPr lang="en-US" altLang="zh-CN" dirty="0">
+              <a:latin typeface="微软雅黑" panose="020B0503020204020204" pitchFamily="34" charset="-122"/>
+              <a:ea typeface="微软雅黑" panose="020B0503020204020204" pitchFamily="34" charset="-122"/>
+            </a:endParaRPr>
+          </a:p>
+          <a:p>
+            <a:pPr lvl="1"/>
+            <a:endParaRPr lang="en-US" altLang="zh-CN" dirty="0" smtClean="0">
+              <a:latin typeface="微软雅黑" panose="020B0503020204020204" pitchFamily="34" charset="-122"/>
+              <a:ea typeface="微软雅黑" panose="020B0503020204020204" pitchFamily="34" charset="-122"/>
+            </a:endParaRPr>
+          </a:p>
+          <a:p>
+            <a:pPr lvl="1"/>
             <a:endParaRPr lang="en-US" altLang="zh-CN" dirty="0" smtClean="0">
               <a:latin typeface="微软雅黑" panose="020B0503020204020204" pitchFamily="34" charset="-122"/>
               <a:ea typeface="微软雅黑" panose="020B0503020204020204" pitchFamily="34" charset="-122"/>

--- a/doc/presentation.pptx
+++ b/doc/presentation.pptx
@@ -15659,14 +15659,7 @@
                 <a:latin typeface="微软雅黑" panose="020B0503020204020204" pitchFamily="34" charset="-122"/>
                 <a:ea typeface="微软雅黑" panose="020B0503020204020204" pitchFamily="34" charset="-122"/>
               </a:rPr>
-              <a:t>图</a:t>
-            </a:r>
-            <a:r>
-              <a:rPr lang="zh-CN" altLang="en-US" b="1" dirty="0" smtClean="0">
-                <a:latin typeface="微软雅黑" panose="020B0503020204020204" pitchFamily="34" charset="-122"/>
-                <a:ea typeface="微软雅黑" panose="020B0503020204020204" pitchFamily="34" charset="-122"/>
-              </a:rPr>
-              <a:t>中</a:t>
+              <a:t>图中</a:t>
             </a:r>
             <a:r>
               <a:rPr lang="en-US" altLang="zh-CN" b="1" dirty="0" smtClean="0">
@@ -15695,6 +15688,30 @@
           </a:p>
         </p:txBody>
       </p:sp>
+      <p:pic>
+        <p:nvPicPr>
+          <p:cNvPr id="2" name="图片 1"/>
+          <p:cNvPicPr>
+            <a:picLocks noChangeAspect="1"/>
+          </p:cNvPicPr>
+          <p:nvPr/>
+        </p:nvPicPr>
+        <p:blipFill>
+          <a:blip r:embed="rId2"/>
+          <a:stretch>
+            <a:fillRect/>
+          </a:stretch>
+        </p:blipFill>
+        <p:spPr>
+          <a:xfrm>
+            <a:off x="2480909" y="2388078"/>
+            <a:ext cx="3892181" cy="4168659"/>
+          </a:xfrm>
+          <a:prstGeom prst="rect">
+            <a:avLst/>
+          </a:prstGeom>
+        </p:spPr>
+      </p:pic>
     </p:spTree>
     <p:extLst>
       <p:ext uri="{BB962C8B-B14F-4D97-AF65-F5344CB8AC3E}">
@@ -25362,10 +25379,6 @@
               </a:rPr>
               <a:t>(scrum)</a:t>
             </a:r>
-            <a:endParaRPr lang="en-US" altLang="zh-CN" b="1" dirty="0" smtClean="0">
-              <a:latin typeface="微软雅黑" panose="020B0503020204020204" pitchFamily="34" charset="-122"/>
-              <a:ea typeface="微软雅黑" panose="020B0503020204020204" pitchFamily="34" charset="-122"/>
-            </a:endParaRPr>
           </a:p>
         </p:txBody>
       </p:sp>
@@ -27231,10 +27244,6 @@
               </a:rPr>
               <a:t>(scrum)</a:t>
             </a:r>
-            <a:endParaRPr lang="en-US" altLang="zh-CN" b="1" dirty="0" smtClean="0">
-              <a:latin typeface="微软雅黑" panose="020B0503020204020204" pitchFamily="34" charset="-122"/>
-              <a:ea typeface="微软雅黑" panose="020B0503020204020204" pitchFamily="34" charset="-122"/>
-            </a:endParaRPr>
           </a:p>
         </p:txBody>
       </p:sp>

--- a/doc/presentation.pptx
+++ b/doc/presentation.pptx
@@ -13403,7 +13403,7 @@
       </p:sp>
       <p:pic>
         <p:nvPicPr>
-          <p:cNvPr id="2" name="图片 1"/>
+          <p:cNvPr id="3" name="图片 2"/>
           <p:cNvPicPr>
             <a:picLocks noChangeAspect="1"/>
           </p:cNvPicPr>
@@ -13417,8 +13417,8 @@
         </p:blipFill>
         <p:spPr>
           <a:xfrm>
-            <a:off x="-1" y="342055"/>
-            <a:ext cx="9144001" cy="6125133"/>
+            <a:off x="556671" y="338448"/>
+            <a:ext cx="8030658" cy="6368810"/>
           </a:xfrm>
           <a:prstGeom prst="rect">
             <a:avLst/>

--- a/doc/presentation.pptx
+++ b/doc/presentation.pptx
@@ -12267,7 +12267,7 @@
         </p:nvSpPr>
         <p:spPr>
           <a:xfrm>
-            <a:off x="628650" y="1825625"/>
+            <a:off x="628650" y="1603952"/>
             <a:ext cx="7886700" cy="4351338"/>
           </a:xfrm>
           <a:prstGeom prst="rect">
@@ -12651,6 +12651,16 @@
                 <a:ea typeface="微软雅黑" panose="020B0503020204020204" pitchFamily="34" charset="-122"/>
               </a:rPr>
               <a:t>MVP</a:t>
+            </a:r>
+          </a:p>
+          <a:p>
+            <a:pPr lvl="1"/>
+            <a:r>
+              <a:rPr lang="en-US" altLang="zh-CN" sz="1600" dirty="0" smtClean="0">
+                <a:latin typeface="微软雅黑" panose="020B0503020204020204" pitchFamily="34" charset="-122"/>
+                <a:ea typeface="微软雅黑" panose="020B0503020204020204" pitchFamily="34" charset="-122"/>
+              </a:rPr>
+              <a:t>.net</a:t>
             </a:r>
             <a:endParaRPr lang="en-US" altLang="zh-CN" sz="1600" dirty="0">
               <a:latin typeface="微软雅黑" panose="020B0503020204020204" pitchFamily="34" charset="-122"/>
